--- a/언어모델 유치원 OT.pptx
+++ b/언어모델 유치원 OT.pptx
@@ -565,15 +565,7 @@
           <a:p>
             <a:r>
               <a:rPr lang="ko-KR" altLang="en-US" dirty="0"/>
-              <a:t>중간에 </a:t>
-            </a:r>
-            <a:r>
-              <a:rPr lang="ko-KR" altLang="en-US"/>
-              <a:t>질문 있으시면 </a:t>
-            </a:r>
-            <a:r>
-              <a:rPr lang="ko-KR" altLang="en-US" dirty="0"/>
-              <a:t>언제든지</a:t>
+              <a:t>중간에 질문 있으시면 언제든지</a:t>
             </a:r>
             <a:r>
               <a:rPr lang="en-US" altLang="ko-KR" dirty="0"/>
@@ -8865,18 +8857,11 @@
               <a:t> </a:t>
             </a:r>
             <a:r>
-              <a:rPr lang="ko-KR" altLang="en-US">
-                <a:latin typeface="나눔스퀘어" panose="020B0600000101010101" pitchFamily="50" charset="-127"/>
-                <a:ea typeface="나눔스퀘어" panose="020B0600000101010101" pitchFamily="50" charset="-127"/>
-              </a:rPr>
-              <a:t>파일을 수정할 </a:t>
-            </a:r>
-            <a:r>
               <a:rPr lang="ko-KR" altLang="en-US" dirty="0">
                 <a:latin typeface="나눔스퀘어" panose="020B0600000101010101" pitchFamily="50" charset="-127"/>
                 <a:ea typeface="나눔스퀘어" panose="020B0600000101010101" pitchFamily="50" charset="-127"/>
               </a:rPr>
-              <a:t>수 있어야 함</a:t>
+              <a:t>파일을 수정할 수 있어야 함</a:t>
             </a:r>
             <a:endParaRPr lang="en-US" altLang="ko-KR" dirty="0">
               <a:latin typeface="나눔스퀘어" panose="020B0600000101010101" pitchFamily="50" charset="-127"/>
@@ -8990,7 +8975,36 @@
                 <a:latin typeface="나눔스퀘어" panose="020B0600000101010101" pitchFamily="50" charset="-127"/>
                 <a:ea typeface="나눔스퀘어" panose="020B0600000101010101" pitchFamily="50" charset="-127"/>
               </a:rPr>
-              <a:t>설치</a:t>
+              <a:t>설치 </a:t>
+            </a:r>
+            <a:r>
+              <a:rPr lang="en-US" altLang="ko-KR" dirty="0">
+                <a:latin typeface="나눔스퀘어" panose="020B0600000101010101" pitchFamily="50" charset="-127"/>
+                <a:ea typeface="나눔스퀘어" panose="020B0600000101010101" pitchFamily="50" charset="-127"/>
+              </a:rPr>
+              <a:t>(</a:t>
+            </a:r>
+            <a:r>
+              <a:rPr lang="ko-KR" altLang="en-US" dirty="0">
+                <a:latin typeface="나눔스퀘어" panose="020B0600000101010101" pitchFamily="50" charset="-127"/>
+                <a:ea typeface="나눔스퀘어" panose="020B0600000101010101" pitchFamily="50" charset="-127"/>
+              </a:rPr>
+              <a:t>선택</a:t>
+            </a:r>
+            <a:r>
+              <a:rPr lang="en-US" altLang="ko-KR" dirty="0">
+                <a:latin typeface="나눔스퀘어" panose="020B0600000101010101" pitchFamily="50" charset="-127"/>
+                <a:ea typeface="나눔스퀘어" panose="020B0600000101010101" pitchFamily="50" charset="-127"/>
+              </a:rPr>
+              <a:t>), </a:t>
+            </a:r>
+            <a:r>
+              <a:rPr lang="ko-KR" altLang="en-US" dirty="0">
+                <a:latin typeface="나눔스퀘어" panose="020B0600000101010101" pitchFamily="50" charset="-127"/>
+                <a:ea typeface="나눔스퀘어" panose="020B0600000101010101" pitchFamily="50" charset="-127"/>
+                <a:hlinkClick r:id="rId2"/>
+              </a:rPr>
+              <a:t>깃헙 레포 확인</a:t>
             </a:r>
             <a:endParaRPr lang="en-US" altLang="ko-KR" dirty="0">
               <a:latin typeface="나눔스퀘어" panose="020B0600000101010101" pitchFamily="50" charset="-127"/>
